--- a/Documentation/Weekly Report/CMSC-4920-Group2-Week3.pptx
+++ b/Documentation/Weekly Report/CMSC-4920-Group2-Week3.pptx
@@ -4,10 +4,14 @@
   <p:sldMasterIdLst>
     <p:sldMasterId id="2147483660" r:id="rId1"/>
   </p:sldMasterIdLst>
+  <p:notesMasterIdLst>
+    <p:notesMasterId r:id="rId6"/>
+  </p:notesMasterIdLst>
   <p:sldIdLst>
     <p:sldId id="257" r:id="rId2"/>
     <p:sldId id="259" r:id="rId3"/>
     <p:sldId id="258" r:id="rId4"/>
+    <p:sldId id="260" r:id="rId5"/>
   </p:sldIdLst>
   <p:sldSz cx="12192000" cy="6858000"/>
   <p:notesSz cx="6858000" cy="9144000"/>
@@ -106,13 +110,18 @@
       </a:defRPr>
     </a:lvl9pPr>
   </p:defaultTextStyle>
+  <p:extLst>
+    <p:ext uri="{EFAFB233-063F-42B5-8137-9DF3F51BA10A}">
+      <p15:sldGuideLst xmlns:p15="http://schemas.microsoft.com/office/powerpoint/2012/main"/>
+    </p:ext>
+  </p:extLst>
 </p:presentation>
 </file>
 
 <file path=ppt/revisionInfo.xml><?xml version="1.0" encoding="utf-8"?>
 <p1510:revInfo xmlns:a="http://schemas.openxmlformats.org/drawingml/2006/main" xmlns:r="http://schemas.openxmlformats.org/officeDocument/2006/relationships" xmlns:p1510="http://schemas.microsoft.com/office/powerpoint/2015/10/main">
   <p1510:revLst>
-    <p1510:client id="{ACFAB98E-C1D7-48A3-88DA-BE1043F34BCE}" v="3" dt="2026-01-27T20:24:24.195"/>
+    <p1510:client id="{31BB0782-3C69-47B4-AC39-00F2DDCDFB2A}" v="1" dt="2026-01-29T19:27:47.343"/>
   </p1510:revLst>
 </p1510:revInfo>
 </file>
@@ -122,57 +131,42 @@
   <pc:docChgLst>
     <pc:chgData name="John Gerega" userId="bd3e1e46fb6a714b" providerId="LiveId" clId="{45F0C402-C550-4C82-B31D-5B32217A5E94}"/>
     <pc:docChg chg="custSel addSld delSld modSld">
-      <pc:chgData name="John Gerega" userId="bd3e1e46fb6a714b" providerId="LiveId" clId="{45F0C402-C550-4C82-B31D-5B32217A5E94}" dt="2026-01-27T20:25:57.296" v="191" actId="20577"/>
+      <pc:chgData name="John Gerega" userId="bd3e1e46fb6a714b" providerId="LiveId" clId="{45F0C402-C550-4C82-B31D-5B32217A5E94}" dt="2026-01-29T19:30:17.690" v="506" actId="1076"/>
       <pc:docMkLst>
         <pc:docMk/>
       </pc:docMkLst>
-      <pc:sldChg chg="del">
-        <pc:chgData name="John Gerega" userId="bd3e1e46fb6a714b" providerId="LiveId" clId="{45F0C402-C550-4C82-B31D-5B32217A5E94}" dt="2026-01-27T20:22:44.684" v="2" actId="2696"/>
-        <pc:sldMkLst>
-          <pc:docMk/>
-          <pc:sldMk cId="2765570390" sldId="256"/>
-        </pc:sldMkLst>
-      </pc:sldChg>
       <pc:sldChg chg="delSp add setBg delDesignElem">
         <pc:chgData name="John Gerega" userId="bd3e1e46fb6a714b" providerId="LiveId" clId="{45F0C402-C550-4C82-B31D-5B32217A5E94}" dt="2026-01-27T20:22:39.148" v="1"/>
         <pc:sldMkLst>
           <pc:docMk/>
           <pc:sldMk cId="1562194928" sldId="257"/>
         </pc:sldMkLst>
-        <pc:spChg chg="del">
-          <ac:chgData name="John Gerega" userId="bd3e1e46fb6a714b" providerId="LiveId" clId="{45F0C402-C550-4C82-B31D-5B32217A5E94}" dt="2026-01-27T20:22:39.148" v="1"/>
-          <ac:spMkLst>
-            <pc:docMk/>
-            <pc:sldMk cId="1562194928" sldId="257"/>
-            <ac:spMk id="20" creationId="{934F1179-B481-4F9E-BCA3-AFB972070F83}"/>
-          </ac:spMkLst>
-        </pc:spChg>
-        <pc:spChg chg="del">
-          <ac:chgData name="John Gerega" userId="bd3e1e46fb6a714b" providerId="LiveId" clId="{45F0C402-C550-4C82-B31D-5B32217A5E94}" dt="2026-01-27T20:22:39.148" v="1"/>
-          <ac:spMkLst>
-            <pc:docMk/>
-            <pc:sldMk cId="1562194928" sldId="257"/>
-            <ac:spMk id="21" creationId="{827DC2C4-B485-428A-BF4A-472D2967F47F}"/>
-          </ac:spMkLst>
-        </pc:spChg>
-        <pc:spChg chg="del">
-          <ac:chgData name="John Gerega" userId="bd3e1e46fb6a714b" providerId="LiveId" clId="{45F0C402-C550-4C82-B31D-5B32217A5E94}" dt="2026-01-27T20:22:39.148" v="1"/>
-          <ac:spMkLst>
-            <pc:docMk/>
-            <pc:sldMk cId="1562194928" sldId="257"/>
-            <ac:spMk id="22" creationId="{EE04B5EB-F158-4507-90DD-BD23620C7CC9}"/>
-          </ac:spMkLst>
-        </pc:spChg>
       </pc:sldChg>
-      <pc:sldChg chg="new">
-        <pc:chgData name="John Gerega" userId="bd3e1e46fb6a714b" providerId="LiveId" clId="{45F0C402-C550-4C82-B31D-5B32217A5E94}" dt="2026-01-27T20:23:22.199" v="3" actId="680"/>
+      <pc:sldChg chg="modSp new mod">
+        <pc:chgData name="John Gerega" userId="bd3e1e46fb6a714b" providerId="LiveId" clId="{45F0C402-C550-4C82-B31D-5B32217A5E94}" dt="2026-01-29T19:28:29.511" v="472" actId="20577"/>
         <pc:sldMkLst>
           <pc:docMk/>
           <pc:sldMk cId="1703198578" sldId="258"/>
         </pc:sldMkLst>
+        <pc:spChg chg="mod">
+          <ac:chgData name="John Gerega" userId="bd3e1e46fb6a714b" providerId="LiveId" clId="{45F0C402-C550-4C82-B31D-5B32217A5E94}" dt="2026-01-29T19:25:36.974" v="281" actId="20577"/>
+          <ac:spMkLst>
+            <pc:docMk/>
+            <pc:sldMk cId="1703198578" sldId="258"/>
+            <ac:spMk id="2" creationId="{C9AC2B8C-4427-3F75-982C-5896926EF5AF}"/>
+          </ac:spMkLst>
+        </pc:spChg>
+        <pc:spChg chg="mod">
+          <ac:chgData name="John Gerega" userId="bd3e1e46fb6a714b" providerId="LiveId" clId="{45F0C402-C550-4C82-B31D-5B32217A5E94}" dt="2026-01-29T19:28:29.511" v="472" actId="20577"/>
+          <ac:spMkLst>
+            <pc:docMk/>
+            <pc:sldMk cId="1703198578" sldId="258"/>
+            <ac:spMk id="3" creationId="{180DA8A4-A147-28E8-440F-4D244C9A2F3A}"/>
+          </ac:spMkLst>
+        </pc:spChg>
       </pc:sldChg>
       <pc:sldChg chg="modSp new mod">
-        <pc:chgData name="John Gerega" userId="bd3e1e46fb6a714b" providerId="LiveId" clId="{45F0C402-C550-4C82-B31D-5B32217A5E94}" dt="2026-01-27T20:25:57.296" v="191" actId="20577"/>
+        <pc:chgData name="John Gerega" userId="bd3e1e46fb6a714b" providerId="LiveId" clId="{45F0C402-C550-4C82-B31D-5B32217A5E94}" dt="2026-01-29T19:01:05.361" v="272" actId="20577"/>
         <pc:sldMkLst>
           <pc:docMk/>
           <pc:sldMk cId="2435356693" sldId="259"/>
@@ -194,7 +188,7 @@
           </ac:spMkLst>
         </pc:spChg>
         <pc:spChg chg="mod">
-          <ac:chgData name="John Gerega" userId="bd3e1e46fb6a714b" providerId="LiveId" clId="{45F0C402-C550-4C82-B31D-5B32217A5E94}" dt="2026-01-27T20:24:10.300" v="133" actId="20577"/>
+          <ac:chgData name="John Gerega" userId="bd3e1e46fb6a714b" providerId="LiveId" clId="{45F0C402-C550-4C82-B31D-5B32217A5E94}" dt="2026-01-29T19:01:05.361" v="272" actId="20577"/>
           <ac:spMkLst>
             <pc:docMk/>
             <pc:sldMk cId="2435356693" sldId="259"/>
@@ -218,9 +212,489 @@
           </ac:spMkLst>
         </pc:spChg>
       </pc:sldChg>
+      <pc:sldChg chg="addSp delSp modSp new mod">
+        <pc:chgData name="John Gerega" userId="bd3e1e46fb6a714b" providerId="LiveId" clId="{45F0C402-C550-4C82-B31D-5B32217A5E94}" dt="2026-01-29T19:30:17.690" v="506" actId="1076"/>
+        <pc:sldMkLst>
+          <pc:docMk/>
+          <pc:sldMk cId="3976178676" sldId="260"/>
+        </pc:sldMkLst>
+        <pc:spChg chg="mod">
+          <ac:chgData name="John Gerega" userId="bd3e1e46fb6a714b" providerId="LiveId" clId="{45F0C402-C550-4C82-B31D-5B32217A5E94}" dt="2026-01-29T19:28:40.044" v="496" actId="20577"/>
+          <ac:spMkLst>
+            <pc:docMk/>
+            <pc:sldMk cId="3976178676" sldId="260"/>
+            <ac:spMk id="2" creationId="{C758E20C-8AB0-67B3-E130-098B85CA3DFD}"/>
+          </ac:spMkLst>
+        </pc:spChg>
+        <pc:spChg chg="del">
+          <ac:chgData name="John Gerega" userId="bd3e1e46fb6a714b" providerId="LiveId" clId="{45F0C402-C550-4C82-B31D-5B32217A5E94}" dt="2026-01-29T19:29:15.687" v="497" actId="22"/>
+          <ac:spMkLst>
+            <pc:docMk/>
+            <pc:sldMk cId="3976178676" sldId="260"/>
+            <ac:spMk id="3" creationId="{65878717-CCD1-8F9C-3154-4A56F6236B07}"/>
+          </ac:spMkLst>
+        </pc:spChg>
+        <pc:spChg chg="add del mod">
+          <ac:chgData name="John Gerega" userId="bd3e1e46fb6a714b" providerId="LiveId" clId="{45F0C402-C550-4C82-B31D-5B32217A5E94}" dt="2026-01-29T19:30:15.196" v="505" actId="478"/>
+          <ac:spMkLst>
+            <pc:docMk/>
+            <pc:sldMk cId="3976178676" sldId="260"/>
+            <ac:spMk id="7" creationId="{FEF7EDFF-C76D-4B7A-37ED-EAC08EC100AD}"/>
+          </ac:spMkLst>
+        </pc:spChg>
+        <pc:picChg chg="add del mod ord">
+          <ac:chgData name="John Gerega" userId="bd3e1e46fb6a714b" providerId="LiveId" clId="{45F0C402-C550-4C82-B31D-5B32217A5E94}" dt="2026-01-29T19:29:38.308" v="498" actId="478"/>
+          <ac:picMkLst>
+            <pc:docMk/>
+            <pc:sldMk cId="3976178676" sldId="260"/>
+            <ac:picMk id="5" creationId="{7D1C1A01-19FD-AAFC-BB74-A9D16997A14E}"/>
+          </ac:picMkLst>
+        </pc:picChg>
+        <pc:picChg chg="add mod">
+          <ac:chgData name="John Gerega" userId="bd3e1e46fb6a714b" providerId="LiveId" clId="{45F0C402-C550-4C82-B31D-5B32217A5E94}" dt="2026-01-29T19:30:17.690" v="506" actId="1076"/>
+          <ac:picMkLst>
+            <pc:docMk/>
+            <pc:sldMk cId="3976178676" sldId="260"/>
+            <ac:picMk id="9" creationId="{6E147BA7-C2BD-F75F-6AA7-20EB6ABC1BE7}"/>
+          </ac:picMkLst>
+        </pc:picChg>
+      </pc:sldChg>
     </pc:docChg>
   </pc:docChgLst>
 </pc:chgInfo>
+</file>
+
+<file path=ppt/notesMasters/notesMaster1.xml><?xml version="1.0" encoding="utf-8"?>
+<p:notesMaster xmlns:a="http://schemas.openxmlformats.org/drawingml/2006/main" xmlns:r="http://schemas.openxmlformats.org/officeDocument/2006/relationships" xmlns:p="http://schemas.openxmlformats.org/presentationml/2006/main">
+  <p:cSld>
+    <p:bg>
+      <p:bgRef idx="1001">
+        <a:schemeClr val="bg1"/>
+      </p:bgRef>
+    </p:bg>
+    <p:spTree>
+      <p:nvGrpSpPr>
+        <p:cNvPr id="1" name=""/>
+        <p:cNvGrpSpPr/>
+        <p:nvPr/>
+      </p:nvGrpSpPr>
+      <p:grpSpPr>
+        <a:xfrm>
+          <a:off x="0" y="0"/>
+          <a:ext cx="0" cy="0"/>
+          <a:chOff x="0" y="0"/>
+          <a:chExt cx="0" cy="0"/>
+        </a:xfrm>
+      </p:grpSpPr>
+      <p:sp>
+        <p:nvSpPr>
+          <p:cNvPr id="2" name="Header Placeholder 1"/>
+          <p:cNvSpPr>
+            <a:spLocks noGrp="1"/>
+          </p:cNvSpPr>
+          <p:nvPr>
+            <p:ph type="hdr" sz="quarter"/>
+          </p:nvPr>
+        </p:nvSpPr>
+        <p:spPr>
+          <a:xfrm>
+            <a:off x="0" y="0"/>
+            <a:ext cx="2971800" cy="458788"/>
+          </a:xfrm>
+          <a:prstGeom prst="rect">
+            <a:avLst/>
+          </a:prstGeom>
+        </p:spPr>
+        <p:txBody>
+          <a:bodyPr vert="horz" lIns="91440" tIns="45720" rIns="91440" bIns="45720" rtlCol="0"/>
+          <a:lstStyle>
+            <a:lvl1pPr algn="l">
+              <a:defRPr sz="1200"/>
+            </a:lvl1pPr>
+          </a:lstStyle>
+          <a:p>
+            <a:endParaRPr lang="en-US"/>
+          </a:p>
+        </p:txBody>
+      </p:sp>
+      <p:sp>
+        <p:nvSpPr>
+          <p:cNvPr id="3" name="Date Placeholder 2"/>
+          <p:cNvSpPr>
+            <a:spLocks noGrp="1"/>
+          </p:cNvSpPr>
+          <p:nvPr>
+            <p:ph type="dt" idx="1"/>
+          </p:nvPr>
+        </p:nvSpPr>
+        <p:spPr>
+          <a:xfrm>
+            <a:off x="3884613" y="0"/>
+            <a:ext cx="2971800" cy="458788"/>
+          </a:xfrm>
+          <a:prstGeom prst="rect">
+            <a:avLst/>
+          </a:prstGeom>
+        </p:spPr>
+        <p:txBody>
+          <a:bodyPr vert="horz" lIns="91440" tIns="45720" rIns="91440" bIns="45720" rtlCol="0"/>
+          <a:lstStyle>
+            <a:lvl1pPr algn="r">
+              <a:defRPr sz="1200"/>
+            </a:lvl1pPr>
+          </a:lstStyle>
+          <a:p>
+            <a:fld id="{53F7EA64-47A8-4745-A689-3AB1D5C1369D}" type="datetimeFigureOut">
+              <a:rPr lang="en-US" smtClean="0"/>
+              <a:t>1/29/2026</a:t>
+            </a:fld>
+            <a:endParaRPr lang="en-US"/>
+          </a:p>
+        </p:txBody>
+      </p:sp>
+      <p:sp>
+        <p:nvSpPr>
+          <p:cNvPr id="4" name="Slide Image Placeholder 3"/>
+          <p:cNvSpPr>
+            <a:spLocks noGrp="1" noRot="1" noChangeAspect="1"/>
+          </p:cNvSpPr>
+          <p:nvPr>
+            <p:ph type="sldImg" idx="2"/>
+          </p:nvPr>
+        </p:nvSpPr>
+        <p:spPr>
+          <a:xfrm>
+            <a:off x="685800" y="1143000"/>
+            <a:ext cx="5486400" cy="3086100"/>
+          </a:xfrm>
+          <a:prstGeom prst="rect">
+            <a:avLst/>
+          </a:prstGeom>
+          <a:noFill/>
+          <a:ln w="12700">
+            <a:solidFill>
+              <a:prstClr val="black"/>
+            </a:solidFill>
+          </a:ln>
+        </p:spPr>
+        <p:txBody>
+          <a:bodyPr vert="horz" lIns="91440" tIns="45720" rIns="91440" bIns="45720" rtlCol="0" anchor="ctr"/>
+          <a:lstStyle/>
+          <a:p>
+            <a:endParaRPr lang="en-US"/>
+          </a:p>
+        </p:txBody>
+      </p:sp>
+      <p:sp>
+        <p:nvSpPr>
+          <p:cNvPr id="5" name="Notes Placeholder 4"/>
+          <p:cNvSpPr>
+            <a:spLocks noGrp="1"/>
+          </p:cNvSpPr>
+          <p:nvPr>
+            <p:ph type="body" sz="quarter" idx="3"/>
+          </p:nvPr>
+        </p:nvSpPr>
+        <p:spPr>
+          <a:xfrm>
+            <a:off x="685800" y="4400550"/>
+            <a:ext cx="5486400" cy="3600450"/>
+          </a:xfrm>
+          <a:prstGeom prst="rect">
+            <a:avLst/>
+          </a:prstGeom>
+        </p:spPr>
+        <p:txBody>
+          <a:bodyPr vert="horz" lIns="91440" tIns="45720" rIns="91440" bIns="45720" rtlCol="0"/>
+          <a:lstStyle/>
+          <a:p>
+            <a:pPr lvl="0"/>
+            <a:r>
+              <a:rPr lang="en-US"/>
+              <a:t>Click to edit Master text styles</a:t>
+            </a:r>
+          </a:p>
+          <a:p>
+            <a:pPr lvl="1"/>
+            <a:r>
+              <a:rPr lang="en-US"/>
+              <a:t>Second level</a:t>
+            </a:r>
+          </a:p>
+          <a:p>
+            <a:pPr lvl="2"/>
+            <a:r>
+              <a:rPr lang="en-US"/>
+              <a:t>Third level</a:t>
+            </a:r>
+          </a:p>
+          <a:p>
+            <a:pPr lvl="3"/>
+            <a:r>
+              <a:rPr lang="en-US"/>
+              <a:t>Fourth level</a:t>
+            </a:r>
+          </a:p>
+          <a:p>
+            <a:pPr lvl="4"/>
+            <a:r>
+              <a:rPr lang="en-US"/>
+              <a:t>Fifth level</a:t>
+            </a:r>
+          </a:p>
+        </p:txBody>
+      </p:sp>
+      <p:sp>
+        <p:nvSpPr>
+          <p:cNvPr id="6" name="Footer Placeholder 5"/>
+          <p:cNvSpPr>
+            <a:spLocks noGrp="1"/>
+          </p:cNvSpPr>
+          <p:nvPr>
+            <p:ph type="ftr" sz="quarter" idx="4"/>
+          </p:nvPr>
+        </p:nvSpPr>
+        <p:spPr>
+          <a:xfrm>
+            <a:off x="0" y="8685213"/>
+            <a:ext cx="2971800" cy="458787"/>
+          </a:xfrm>
+          <a:prstGeom prst="rect">
+            <a:avLst/>
+          </a:prstGeom>
+        </p:spPr>
+        <p:txBody>
+          <a:bodyPr vert="horz" lIns="91440" tIns="45720" rIns="91440" bIns="45720" rtlCol="0" anchor="b"/>
+          <a:lstStyle>
+            <a:lvl1pPr algn="l">
+              <a:defRPr sz="1200"/>
+            </a:lvl1pPr>
+          </a:lstStyle>
+          <a:p>
+            <a:endParaRPr lang="en-US"/>
+          </a:p>
+        </p:txBody>
+      </p:sp>
+      <p:sp>
+        <p:nvSpPr>
+          <p:cNvPr id="7" name="Slide Number Placeholder 6"/>
+          <p:cNvSpPr>
+            <a:spLocks noGrp="1"/>
+          </p:cNvSpPr>
+          <p:nvPr>
+            <p:ph type="sldNum" sz="quarter" idx="5"/>
+          </p:nvPr>
+        </p:nvSpPr>
+        <p:spPr>
+          <a:xfrm>
+            <a:off x="3884613" y="8685213"/>
+            <a:ext cx="2971800" cy="458787"/>
+          </a:xfrm>
+          <a:prstGeom prst="rect">
+            <a:avLst/>
+          </a:prstGeom>
+        </p:spPr>
+        <p:txBody>
+          <a:bodyPr vert="horz" lIns="91440" tIns="45720" rIns="91440" bIns="45720" rtlCol="0" anchor="b"/>
+          <a:lstStyle>
+            <a:lvl1pPr algn="r">
+              <a:defRPr sz="1200"/>
+            </a:lvl1pPr>
+          </a:lstStyle>
+          <a:p>
+            <a:fld id="{5DD1A755-624C-4D1F-B3BB-7FD89A2D0E09}" type="slidenum">
+              <a:rPr lang="en-US" smtClean="0"/>
+              <a:t>‹#›</a:t>
+            </a:fld>
+            <a:endParaRPr lang="en-US"/>
+          </a:p>
+        </p:txBody>
+      </p:sp>
+    </p:spTree>
+    <p:extLst>
+      <p:ext uri="{BB962C8B-B14F-4D97-AF65-F5344CB8AC3E}">
+        <p14:creationId xmlns:p14="http://schemas.microsoft.com/office/powerpoint/2010/main" val="338115930"/>
+      </p:ext>
+    </p:extLst>
+  </p:cSld>
+  <p:clrMap bg1="lt1" tx1="dk1" bg2="lt2" tx2="dk2" accent1="accent1" accent2="accent2" accent3="accent3" accent4="accent4" accent5="accent5" accent6="accent6" hlink="hlink" folHlink="folHlink"/>
+  <p:notesStyle>
+    <a:lvl1pPr marL="0" algn="l" defTabSz="914400" rtl="0" eaLnBrk="1" latinLnBrk="0" hangingPunct="1">
+      <a:defRPr sz="1200" kern="1200">
+        <a:solidFill>
+          <a:schemeClr val="tx1"/>
+        </a:solidFill>
+        <a:latin typeface="+mn-lt"/>
+        <a:ea typeface="+mn-ea"/>
+        <a:cs typeface="+mn-cs"/>
+      </a:defRPr>
+    </a:lvl1pPr>
+    <a:lvl2pPr marL="457200" algn="l" defTabSz="914400" rtl="0" eaLnBrk="1" latinLnBrk="0" hangingPunct="1">
+      <a:defRPr sz="1200" kern="1200">
+        <a:solidFill>
+          <a:schemeClr val="tx1"/>
+        </a:solidFill>
+        <a:latin typeface="+mn-lt"/>
+        <a:ea typeface="+mn-ea"/>
+        <a:cs typeface="+mn-cs"/>
+      </a:defRPr>
+    </a:lvl2pPr>
+    <a:lvl3pPr marL="914400" algn="l" defTabSz="914400" rtl="0" eaLnBrk="1" latinLnBrk="0" hangingPunct="1">
+      <a:defRPr sz="1200" kern="1200">
+        <a:solidFill>
+          <a:schemeClr val="tx1"/>
+        </a:solidFill>
+        <a:latin typeface="+mn-lt"/>
+        <a:ea typeface="+mn-ea"/>
+        <a:cs typeface="+mn-cs"/>
+      </a:defRPr>
+    </a:lvl3pPr>
+    <a:lvl4pPr marL="1371600" algn="l" defTabSz="914400" rtl="0" eaLnBrk="1" latinLnBrk="0" hangingPunct="1">
+      <a:defRPr sz="1200" kern="1200">
+        <a:solidFill>
+          <a:schemeClr val="tx1"/>
+        </a:solidFill>
+        <a:latin typeface="+mn-lt"/>
+        <a:ea typeface="+mn-ea"/>
+        <a:cs typeface="+mn-cs"/>
+      </a:defRPr>
+    </a:lvl4pPr>
+    <a:lvl5pPr marL="1828800" algn="l" defTabSz="914400" rtl="0" eaLnBrk="1" latinLnBrk="0" hangingPunct="1">
+      <a:defRPr sz="1200" kern="1200">
+        <a:solidFill>
+          <a:schemeClr val="tx1"/>
+        </a:solidFill>
+        <a:latin typeface="+mn-lt"/>
+        <a:ea typeface="+mn-ea"/>
+        <a:cs typeface="+mn-cs"/>
+      </a:defRPr>
+    </a:lvl5pPr>
+    <a:lvl6pPr marL="2286000" algn="l" defTabSz="914400" rtl="0" eaLnBrk="1" latinLnBrk="0" hangingPunct="1">
+      <a:defRPr sz="1200" kern="1200">
+        <a:solidFill>
+          <a:schemeClr val="tx1"/>
+        </a:solidFill>
+        <a:latin typeface="+mn-lt"/>
+        <a:ea typeface="+mn-ea"/>
+        <a:cs typeface="+mn-cs"/>
+      </a:defRPr>
+    </a:lvl6pPr>
+    <a:lvl7pPr marL="2743200" algn="l" defTabSz="914400" rtl="0" eaLnBrk="1" latinLnBrk="0" hangingPunct="1">
+      <a:defRPr sz="1200" kern="1200">
+        <a:solidFill>
+          <a:schemeClr val="tx1"/>
+        </a:solidFill>
+        <a:latin typeface="+mn-lt"/>
+        <a:ea typeface="+mn-ea"/>
+        <a:cs typeface="+mn-cs"/>
+      </a:defRPr>
+    </a:lvl7pPr>
+    <a:lvl8pPr marL="3200400" algn="l" defTabSz="914400" rtl="0" eaLnBrk="1" latinLnBrk="0" hangingPunct="1">
+      <a:defRPr sz="1200" kern="1200">
+        <a:solidFill>
+          <a:schemeClr val="tx1"/>
+        </a:solidFill>
+        <a:latin typeface="+mn-lt"/>
+        <a:ea typeface="+mn-ea"/>
+        <a:cs typeface="+mn-cs"/>
+      </a:defRPr>
+    </a:lvl8pPr>
+    <a:lvl9pPr marL="3657600" algn="l" defTabSz="914400" rtl="0" eaLnBrk="1" latinLnBrk="0" hangingPunct="1">
+      <a:defRPr sz="1200" kern="1200">
+        <a:solidFill>
+          <a:schemeClr val="tx1"/>
+        </a:solidFill>
+        <a:latin typeface="+mn-lt"/>
+        <a:ea typeface="+mn-ea"/>
+        <a:cs typeface="+mn-cs"/>
+      </a:defRPr>
+    </a:lvl9pPr>
+  </p:notesStyle>
+</p:notesMaster>
+</file>
+
+<file path=ppt/notesSlides/notesSlide1.xml><?xml version="1.0" encoding="utf-8"?>
+<p:notes xmlns:a="http://schemas.openxmlformats.org/drawingml/2006/main" xmlns:r="http://schemas.openxmlformats.org/officeDocument/2006/relationships" xmlns:p="http://schemas.openxmlformats.org/presentationml/2006/main">
+  <p:cSld>
+    <p:spTree>
+      <p:nvGrpSpPr>
+        <p:cNvPr id="1" name=""/>
+        <p:cNvGrpSpPr/>
+        <p:nvPr/>
+      </p:nvGrpSpPr>
+      <p:grpSpPr>
+        <a:xfrm>
+          <a:off x="0" y="0"/>
+          <a:ext cx="0" cy="0"/>
+          <a:chOff x="0" y="0"/>
+          <a:chExt cx="0" cy="0"/>
+        </a:xfrm>
+      </p:grpSpPr>
+      <p:sp>
+        <p:nvSpPr>
+          <p:cNvPr id="2" name="Slide Image Placeholder 1"/>
+          <p:cNvSpPr>
+            <a:spLocks noGrp="1" noRot="1" noChangeAspect="1"/>
+          </p:cNvSpPr>
+          <p:nvPr>
+            <p:ph type="sldImg"/>
+          </p:nvPr>
+        </p:nvSpPr>
+        <p:spPr/>
+      </p:sp>
+      <p:sp>
+        <p:nvSpPr>
+          <p:cNvPr id="3" name="Notes Placeholder 2"/>
+          <p:cNvSpPr>
+            <a:spLocks noGrp="1"/>
+          </p:cNvSpPr>
+          <p:nvPr>
+            <p:ph type="body" idx="1"/>
+          </p:nvPr>
+        </p:nvSpPr>
+        <p:spPr/>
+        <p:txBody>
+          <a:bodyPr/>
+          <a:lstStyle/>
+          <a:p>
+            <a:endParaRPr lang="en-US" dirty="0"/>
+          </a:p>
+        </p:txBody>
+      </p:sp>
+      <p:sp>
+        <p:nvSpPr>
+          <p:cNvPr id="4" name="Slide Number Placeholder 3"/>
+          <p:cNvSpPr>
+            <a:spLocks noGrp="1"/>
+          </p:cNvSpPr>
+          <p:nvPr>
+            <p:ph type="sldNum" sz="quarter" idx="5"/>
+          </p:nvPr>
+        </p:nvSpPr>
+        <p:spPr/>
+        <p:txBody>
+          <a:bodyPr/>
+          <a:lstStyle/>
+          <a:p>
+            <a:fld id="{5DD1A755-624C-4D1F-B3BB-7FD89A2D0E09}" type="slidenum">
+              <a:rPr lang="en-US" smtClean="0"/>
+              <a:t>4</a:t>
+            </a:fld>
+            <a:endParaRPr lang="en-US"/>
+          </a:p>
+        </p:txBody>
+      </p:sp>
+    </p:spTree>
+    <p:extLst>
+      <p:ext uri="{BB962C8B-B14F-4D97-AF65-F5344CB8AC3E}">
+        <p14:creationId xmlns:p14="http://schemas.microsoft.com/office/powerpoint/2010/main" val="3614243612"/>
+      </p:ext>
+    </p:extLst>
+  </p:cSld>
+  <p:clrMapOvr>
+    <a:masterClrMapping/>
+  </p:clrMapOvr>
+</p:notes>
 </file>
 
 <file path=ppt/slideLayouts/slideLayout1.xml><?xml version="1.0" encoding="utf-8"?>
@@ -296,6 +770,13 @@
             <a:schemeClr val="lt1"/>
           </a:fontRef>
         </p:style>
+        <p:txBody>
+          <a:bodyPr/>
+          <a:lstStyle/>
+          <a:p>
+            <a:endParaRPr lang="en-US"/>
+          </a:p>
+        </p:txBody>
       </p:sp>
       <p:sp>
         <p:nvSpPr>
@@ -353,6 +834,13 @@
             <a:schemeClr val="lt1"/>
           </a:fontRef>
         </p:style>
+        <p:txBody>
+          <a:bodyPr/>
+          <a:lstStyle/>
+          <a:p>
+            <a:endParaRPr lang="en-US"/>
+          </a:p>
+        </p:txBody>
       </p:sp>
       <p:sp>
         <p:nvSpPr>
@@ -410,6 +898,13 @@
             <a:schemeClr val="lt1"/>
           </a:fontRef>
         </p:style>
+        <p:txBody>
+          <a:bodyPr/>
+          <a:lstStyle/>
+          <a:p>
+            <a:endParaRPr lang="en-US"/>
+          </a:p>
+        </p:txBody>
       </p:sp>
       <p:grpSp>
         <p:nvGrpSpPr>
@@ -469,6 +964,13 @@
             </a:ln>
             <a:effectLst/>
           </p:spPr>
+          <p:txBody>
+            <a:bodyPr/>
+            <a:lstStyle/>
+            <a:p>
+              <a:endParaRPr lang="en-US"/>
+            </a:p>
+          </p:txBody>
         </p:sp>
         <p:sp>
           <p:nvSpPr>
@@ -493,6 +995,13 @@
             </a:ln>
             <a:effectLst/>
           </p:spPr>
+          <p:txBody>
+            <a:bodyPr/>
+            <a:lstStyle/>
+            <a:p>
+              <a:endParaRPr lang="en-US"/>
+            </a:p>
+          </p:txBody>
         </p:sp>
       </p:grpSp>
       <p:sp>
@@ -626,7 +1135,7 @@
           <a:p>
             <a:fld id="{713DB78E-3C9A-457B-8BC6-E3BEE2B0AC0A}" type="datetimeFigureOut">
               <a:rPr lang="en-US" smtClean="0"/>
-              <a:t>1/27/2026</a:t>
+              <a:t>1/29/2026</a:t>
             </a:fld>
             <a:endParaRPr lang="en-US"/>
           </a:p>
@@ -805,7 +1314,7 @@
           <a:p>
             <a:fld id="{713DB78E-3C9A-457B-8BC6-E3BEE2B0AC0A}" type="datetimeFigureOut">
               <a:rPr lang="en-US" smtClean="0"/>
-              <a:t>1/27/2026</a:t>
+              <a:t>1/29/2026</a:t>
             </a:fld>
             <a:endParaRPr lang="en-US"/>
           </a:p>
@@ -985,7 +1494,7 @@
           <a:p>
             <a:fld id="{713DB78E-3C9A-457B-8BC6-E3BEE2B0AC0A}" type="datetimeFigureOut">
               <a:rPr lang="en-US" smtClean="0"/>
-              <a:t>1/27/2026</a:t>
+              <a:t>1/29/2026</a:t>
             </a:fld>
             <a:endParaRPr lang="en-US"/>
           </a:p>
@@ -1155,7 +1664,7 @@
           <a:p>
             <a:fld id="{713DB78E-3C9A-457B-8BC6-E3BEE2B0AC0A}" type="datetimeFigureOut">
               <a:rPr lang="en-US" smtClean="0"/>
-              <a:t>1/27/2026</a:t>
+              <a:t>1/29/2026</a:t>
             </a:fld>
             <a:endParaRPr lang="en-US"/>
           </a:p>
@@ -1468,7 +1977,7 @@
           <a:p>
             <a:fld id="{713DB78E-3C9A-457B-8BC6-E3BEE2B0AC0A}" type="datetimeFigureOut">
               <a:rPr lang="en-US" smtClean="0"/>
-              <a:t>1/27/2026</a:t>
+              <a:t>1/29/2026</a:t>
             </a:fld>
             <a:endParaRPr lang="en-US"/>
           </a:p>
@@ -1854,7 +2363,7 @@
           <a:p>
             <a:fld id="{713DB78E-3C9A-457B-8BC6-E3BEE2B0AC0A}" type="datetimeFigureOut">
               <a:rPr lang="en-US" smtClean="0"/>
-              <a:t>1/27/2026</a:t>
+              <a:t>1/29/2026</a:t>
             </a:fld>
             <a:endParaRPr lang="en-US"/>
           </a:p>
@@ -2288,7 +2797,7 @@
           <a:p>
             <a:fld id="{713DB78E-3C9A-457B-8BC6-E3BEE2B0AC0A}" type="datetimeFigureOut">
               <a:rPr lang="en-US" smtClean="0"/>
-              <a:t>1/27/2026</a:t>
+              <a:t>1/29/2026</a:t>
             </a:fld>
             <a:endParaRPr lang="en-US"/>
           </a:p>
@@ -2406,7 +2915,7 @@
           <a:p>
             <a:fld id="{713DB78E-3C9A-457B-8BC6-E3BEE2B0AC0A}" type="datetimeFigureOut">
               <a:rPr lang="en-US" smtClean="0"/>
-              <a:t>1/27/2026</a:t>
+              <a:t>1/29/2026</a:t>
             </a:fld>
             <a:endParaRPr lang="en-US"/>
           </a:p>
@@ -2501,7 +3010,7 @@
           <a:p>
             <a:fld id="{713DB78E-3C9A-457B-8BC6-E3BEE2B0AC0A}" type="datetimeFigureOut">
               <a:rPr lang="en-US" smtClean="0"/>
-              <a:t>1/27/2026</a:t>
+              <a:t>1/29/2026</a:t>
             </a:fld>
             <a:endParaRPr lang="en-US"/>
           </a:p>
@@ -2851,7 +3360,7 @@
           <a:p>
             <a:fld id="{713DB78E-3C9A-457B-8BC6-E3BEE2B0AC0A}" type="datetimeFigureOut">
               <a:rPr lang="en-US" smtClean="0"/>
-              <a:t>1/27/2026</a:t>
+              <a:t>1/29/2026</a:t>
             </a:fld>
             <a:endParaRPr lang="en-US"/>
           </a:p>
@@ -3276,7 +3785,7 @@
           <a:p>
             <a:fld id="{713DB78E-3C9A-457B-8BC6-E3BEE2B0AC0A}" type="datetimeFigureOut">
               <a:rPr lang="en-US" smtClean="0"/>
-              <a:t>1/27/2026</a:t>
+              <a:t>1/29/2026</a:t>
             </a:fld>
             <a:endParaRPr lang="en-US"/>
           </a:p>
@@ -3557,7 +4066,7 @@
           <a:p>
             <a:fld id="{713DB78E-3C9A-457B-8BC6-E3BEE2B0AC0A}" type="datetimeFigureOut">
               <a:rPr lang="en-US" smtClean="0"/>
-              <a:t>1/27/2026</a:t>
+              <a:t>1/29/2026</a:t>
             </a:fld>
             <a:endParaRPr lang="en-US"/>
           </a:p>
@@ -3661,6 +4170,13 @@
             </a:ln>
             <a:effectLst/>
           </p:spPr>
+          <p:txBody>
+            <a:bodyPr/>
+            <a:lstStyle/>
+            <a:p>
+              <a:endParaRPr lang="en-US"/>
+            </a:p>
+          </p:txBody>
         </p:sp>
         <p:sp>
           <p:nvSpPr>
@@ -3685,6 +4201,13 @@
             </a:ln>
             <a:effectLst/>
           </p:spPr>
+          <p:txBody>
+            <a:bodyPr/>
+            <a:lstStyle/>
+            <a:p>
+              <a:endParaRPr lang="en-US"/>
+            </a:p>
+          </p:txBody>
         </p:sp>
       </p:grpSp>
       <p:sp>
@@ -4338,6 +4861,12 @@
               <a:t>Goal 2 – uploading activities into the database</a:t>
             </a:r>
           </a:p>
+          <a:p>
+            <a:r>
+              <a:rPr lang="en-US" dirty="0"/>
+              <a:t>Goal 3 – display uploaded activities on the activity page</a:t>
+            </a:r>
+          </a:p>
         </p:txBody>
       </p:sp>
       <p:sp>
@@ -4447,7 +4976,10 @@
           <a:bodyPr/>
           <a:lstStyle/>
           <a:p>
-            <a:endParaRPr lang="en-US"/>
+            <a:r>
+              <a:rPr lang="en-US" dirty="0"/>
+              <a:t>Solutions</a:t>
+            </a:r>
           </a:p>
         </p:txBody>
       </p:sp>
@@ -4472,7 +5004,35 @@
           <a:bodyPr/>
           <a:lstStyle/>
           <a:p>
-            <a:endParaRPr lang="en-US"/>
+            <a:r>
+              <a:rPr lang="en-US" dirty="0"/>
+              <a:t>Program receives data from the frontend</a:t>
+            </a:r>
+          </a:p>
+          <a:p>
+            <a:r>
+              <a:rPr lang="en-US" dirty="0"/>
+              <a:t>Backend gets common details first, then sports-specific information</a:t>
+            </a:r>
+          </a:p>
+          <a:p>
+            <a:pPr lvl="1"/>
+            <a:r>
+              <a:rPr lang="en-US" dirty="0"/>
+              <a:t>Injects the data into the database</a:t>
+            </a:r>
+          </a:p>
+          <a:p>
+            <a:endParaRPr lang="en-US" dirty="0"/>
+          </a:p>
+          <a:p>
+            <a:pPr marL="274320" lvl="1" indent="0">
+              <a:buNone/>
+            </a:pPr>
+            <a:endParaRPr lang="en-US" dirty="0"/>
+          </a:p>
+          <a:p>
+            <a:endParaRPr lang="en-US" dirty="0"/>
           </a:p>
         </p:txBody>
       </p:sp>
@@ -4480,6 +5040,94 @@
     <p:extLst>
       <p:ext uri="{BB962C8B-B14F-4D97-AF65-F5344CB8AC3E}">
         <p14:creationId xmlns:p14="http://schemas.microsoft.com/office/powerpoint/2010/main" val="1703198578"/>
+      </p:ext>
+    </p:extLst>
+  </p:cSld>
+  <p:clrMapOvr>
+    <a:masterClrMapping/>
+  </p:clrMapOvr>
+</p:sld>
+</file>
+
+<file path=ppt/slides/slide4.xml><?xml version="1.0" encoding="utf-8"?>
+<p:sld xmlns:a="http://schemas.openxmlformats.org/drawingml/2006/main" xmlns:r="http://schemas.openxmlformats.org/officeDocument/2006/relationships" xmlns:p="http://schemas.openxmlformats.org/presentationml/2006/main">
+  <p:cSld>
+    <p:spTree>
+      <p:nvGrpSpPr>
+        <p:cNvPr id="1" name=""/>
+        <p:cNvGrpSpPr/>
+        <p:nvPr/>
+      </p:nvGrpSpPr>
+      <p:grpSpPr>
+        <a:xfrm>
+          <a:off x="0" y="0"/>
+          <a:ext cx="0" cy="0"/>
+          <a:chOff x="0" y="0"/>
+          <a:chExt cx="0" cy="0"/>
+        </a:xfrm>
+      </p:grpSpPr>
+      <p:sp>
+        <p:nvSpPr>
+          <p:cNvPr id="2" name="Title 1">
+            <a:extLst>
+              <a:ext uri="{FF2B5EF4-FFF2-40B4-BE49-F238E27FC236}">
+                <a16:creationId xmlns:a16="http://schemas.microsoft.com/office/drawing/2014/main" id="{C758E20C-8AB0-67B3-E130-098B85CA3DFD}"/>
+              </a:ext>
+            </a:extLst>
+          </p:cNvPr>
+          <p:cNvSpPr>
+            <a:spLocks noGrp="1"/>
+          </p:cNvSpPr>
+          <p:nvPr>
+            <p:ph type="title"/>
+          </p:nvPr>
+        </p:nvSpPr>
+        <p:spPr/>
+        <p:txBody>
+          <a:bodyPr/>
+          <a:lstStyle/>
+          <a:p>
+            <a:r>
+              <a:rPr lang="en-US" dirty="0"/>
+              <a:t>Activity page</a:t>
+            </a:r>
+          </a:p>
+        </p:txBody>
+      </p:sp>
+      <p:pic>
+        <p:nvPicPr>
+          <p:cNvPr id="9" name="Picture 8">
+            <a:extLst>
+              <a:ext uri="{FF2B5EF4-FFF2-40B4-BE49-F238E27FC236}">
+                <a16:creationId xmlns:a16="http://schemas.microsoft.com/office/drawing/2014/main" id="{6E147BA7-C2BD-F75F-6AA7-20EB6ABC1BE7}"/>
+              </a:ext>
+            </a:extLst>
+          </p:cNvPr>
+          <p:cNvPicPr>
+            <a:picLocks noChangeAspect="1"/>
+          </p:cNvPicPr>
+          <p:nvPr/>
+        </p:nvPicPr>
+        <p:blipFill>
+          <a:blip r:embed="rId3"/>
+          <a:stretch>
+            <a:fillRect/>
+          </a:stretch>
+        </p:blipFill>
+        <p:spPr>
+          <a:xfrm>
+            <a:off x="619649" y="1567301"/>
+            <a:ext cx="10952702" cy="4434077"/>
+          </a:xfrm>
+          <a:prstGeom prst="rect">
+            <a:avLst/>
+          </a:prstGeom>
+        </p:spPr>
+      </p:pic>
+    </p:spTree>
+    <p:extLst>
+      <p:ext uri="{BB962C8B-B14F-4D97-AF65-F5344CB8AC3E}">
+        <p14:creationId xmlns:p14="http://schemas.microsoft.com/office/powerpoint/2010/main" val="3976178676"/>
       </p:ext>
     </p:extLst>
   </p:cSld>
@@ -4716,4 +5364,319 @@
     </a:ext>
   </a:extLst>
 </a:theme>
+</file>
+
+<file path=ppt/theme/theme2.xml><?xml version="1.0" encoding="utf-8"?>
+<a:theme xmlns:a="http://schemas.openxmlformats.org/drawingml/2006/main" name="Office Theme">
+  <a:themeElements>
+    <a:clrScheme name="Office">
+      <a:dk1>
+        <a:sysClr val="windowText" lastClr="000000"/>
+      </a:dk1>
+      <a:lt1>
+        <a:sysClr val="window" lastClr="FFFFFF"/>
+      </a:lt1>
+      <a:dk2>
+        <a:srgbClr val="0E2841"/>
+      </a:dk2>
+      <a:lt2>
+        <a:srgbClr val="E8E8E8"/>
+      </a:lt2>
+      <a:accent1>
+        <a:srgbClr val="156082"/>
+      </a:accent1>
+      <a:accent2>
+        <a:srgbClr val="E97132"/>
+      </a:accent2>
+      <a:accent3>
+        <a:srgbClr val="196B24"/>
+      </a:accent3>
+      <a:accent4>
+        <a:srgbClr val="0F9ED5"/>
+      </a:accent4>
+      <a:accent5>
+        <a:srgbClr val="A02B93"/>
+      </a:accent5>
+      <a:accent6>
+        <a:srgbClr val="4EA72E"/>
+      </a:accent6>
+      <a:hlink>
+        <a:srgbClr val="467886"/>
+      </a:hlink>
+      <a:folHlink>
+        <a:srgbClr val="96607D"/>
+      </a:folHlink>
+    </a:clrScheme>
+    <a:fontScheme name="Office">
+      <a:majorFont>
+        <a:latin typeface="Aptos Display" panose="02110004020202020204"/>
+        <a:ea typeface=""/>
+        <a:cs typeface=""/>
+        <a:font script="Jpan" typeface="游ゴシック Light"/>
+        <a:font script="Hang" typeface="맑은 고딕"/>
+        <a:font script="Hans" typeface="等线 Light"/>
+        <a:font script="Hant" typeface="新細明體"/>
+        <a:font script="Arab" typeface="Times New Roman"/>
+        <a:font script="Hebr" typeface="Times New Roman"/>
+        <a:font script="Thai" typeface="Angsana New"/>
+        <a:font script="Ethi" typeface="Nyala"/>
+        <a:font script="Beng" typeface="Vrinda"/>
+        <a:font script="Gujr" typeface="Shruti"/>
+        <a:font script="Khmr" typeface="MoolBoran"/>
+        <a:font script="Knda" typeface="Tunga"/>
+        <a:font script="Guru" typeface="Raavi"/>
+        <a:font script="Cans" typeface="Euphemia"/>
+        <a:font script="Cher" typeface="Plantagenet Cherokee"/>
+        <a:font script="Yiii" typeface="Microsoft Yi Baiti"/>
+        <a:font script="Tibt" typeface="Microsoft Himalaya"/>
+        <a:font script="Thaa" typeface="MV Boli"/>
+        <a:font script="Deva" typeface="Mangal"/>
+        <a:font script="Telu" typeface="Gautami"/>
+        <a:font script="Taml" typeface="Latha"/>
+        <a:font script="Syrc" typeface="Estrangelo Edessa"/>
+        <a:font script="Orya" typeface="Kalinga"/>
+        <a:font script="Mlym" typeface="Kartika"/>
+        <a:font script="Laoo" typeface="DokChampa"/>
+        <a:font script="Sinh" typeface="Iskoola Pota"/>
+        <a:font script="Mong" typeface="Mongolian Baiti"/>
+        <a:font script="Viet" typeface="Times New Roman"/>
+        <a:font script="Uigh" typeface="Microsoft Uighur"/>
+        <a:font script="Geor" typeface="Sylfaen"/>
+        <a:font script="Armn" typeface="Arial"/>
+        <a:font script="Bugi" typeface="Leelawadee UI"/>
+        <a:font script="Bopo" typeface="Microsoft JhengHei"/>
+        <a:font script="Java" typeface="Javanese Text"/>
+        <a:font script="Lisu" typeface="Segoe UI"/>
+        <a:font script="Mymr" typeface="Myanmar Text"/>
+        <a:font script="Nkoo" typeface="Ebrima"/>
+        <a:font script="Olck" typeface="Nirmala UI"/>
+        <a:font script="Osma" typeface="Ebrima"/>
+        <a:font script="Phag" typeface="Phagspa"/>
+        <a:font script="Syrn" typeface="Estrangelo Edessa"/>
+        <a:font script="Syrj" typeface="Estrangelo Edessa"/>
+        <a:font script="Syre" typeface="Estrangelo Edessa"/>
+        <a:font script="Sora" typeface="Nirmala UI"/>
+        <a:font script="Tale" typeface="Microsoft Tai Le"/>
+        <a:font script="Talu" typeface="Microsoft New Tai Lue"/>
+        <a:font script="Tfng" typeface="Ebrima"/>
+      </a:majorFont>
+      <a:minorFont>
+        <a:latin typeface="Aptos" panose="02110004020202020204"/>
+        <a:ea typeface=""/>
+        <a:cs typeface=""/>
+        <a:font script="Jpan" typeface="游ゴシック"/>
+        <a:font script="Hang" typeface="맑은 고딕"/>
+        <a:font script="Hans" typeface="等线"/>
+        <a:font script="Hant" typeface="新細明體"/>
+        <a:font script="Arab" typeface="Arial"/>
+        <a:font script="Hebr" typeface="Arial"/>
+        <a:font script="Thai" typeface="Cordia New"/>
+        <a:font script="Ethi" typeface="Nyala"/>
+        <a:font script="Beng" typeface="Vrinda"/>
+        <a:font script="Gujr" typeface="Shruti"/>
+        <a:font script="Khmr" typeface="DaunPenh"/>
+        <a:font script="Knda" typeface="Tunga"/>
+        <a:font script="Guru" typeface="Raavi"/>
+        <a:font script="Cans" typeface="Euphemia"/>
+        <a:font script="Cher" typeface="Plantagenet Cherokee"/>
+        <a:font script="Yiii" typeface="Microsoft Yi Baiti"/>
+        <a:font script="Tibt" typeface="Microsoft Himalaya"/>
+        <a:font script="Thaa" typeface="MV Boli"/>
+        <a:font script="Deva" typeface="Mangal"/>
+        <a:font script="Telu" typeface="Gautami"/>
+        <a:font script="Taml" typeface="Latha"/>
+        <a:font script="Syrc" typeface="Estrangelo Edessa"/>
+        <a:font script="Orya" typeface="Kalinga"/>
+        <a:font script="Mlym" typeface="Kartika"/>
+        <a:font script="Laoo" typeface="DokChampa"/>
+        <a:font script="Sinh" typeface="Iskoola Pota"/>
+        <a:font script="Mong" typeface="Mongolian Baiti"/>
+        <a:font script="Viet" typeface="Arial"/>
+        <a:font script="Uigh" typeface="Microsoft Uighur"/>
+        <a:font script="Geor" typeface="Sylfaen"/>
+        <a:font script="Armn" typeface="Arial"/>
+        <a:font script="Bugi" typeface="Leelawadee UI"/>
+        <a:font script="Bopo" typeface="Microsoft JhengHei"/>
+        <a:font script="Java" typeface="Javanese Text"/>
+        <a:font script="Lisu" typeface="Segoe UI"/>
+        <a:font script="Mymr" typeface="Myanmar Text"/>
+        <a:font script="Nkoo" typeface="Ebrima"/>
+        <a:font script="Olck" typeface="Nirmala UI"/>
+        <a:font script="Osma" typeface="Ebrima"/>
+        <a:font script="Phag" typeface="Phagspa"/>
+        <a:font script="Syrn" typeface="Estrangelo Edessa"/>
+        <a:font script="Syrj" typeface="Estrangelo Edessa"/>
+        <a:font script="Syre" typeface="Estrangelo Edessa"/>
+        <a:font script="Sora" typeface="Nirmala UI"/>
+        <a:font script="Tale" typeface="Microsoft Tai Le"/>
+        <a:font script="Talu" typeface="Microsoft New Tai Lue"/>
+        <a:font script="Tfng" typeface="Ebrima"/>
+      </a:minorFont>
+    </a:fontScheme>
+    <a:fmtScheme name="Office">
+      <a:fillStyleLst>
+        <a:solidFill>
+          <a:schemeClr val="phClr"/>
+        </a:solidFill>
+        <a:gradFill rotWithShape="1">
+          <a:gsLst>
+            <a:gs pos="0">
+              <a:schemeClr val="phClr">
+                <a:lumMod val="110000"/>
+                <a:satMod val="105000"/>
+                <a:tint val="67000"/>
+              </a:schemeClr>
+            </a:gs>
+            <a:gs pos="50000">
+              <a:schemeClr val="phClr">
+                <a:lumMod val="105000"/>
+                <a:satMod val="103000"/>
+                <a:tint val="73000"/>
+              </a:schemeClr>
+            </a:gs>
+            <a:gs pos="100000">
+              <a:schemeClr val="phClr">
+                <a:lumMod val="105000"/>
+                <a:satMod val="109000"/>
+                <a:tint val="81000"/>
+              </a:schemeClr>
+            </a:gs>
+          </a:gsLst>
+          <a:lin ang="5400000" scaled="0"/>
+        </a:gradFill>
+        <a:gradFill rotWithShape="1">
+          <a:gsLst>
+            <a:gs pos="0">
+              <a:schemeClr val="phClr">
+                <a:satMod val="103000"/>
+                <a:lumMod val="102000"/>
+                <a:tint val="94000"/>
+              </a:schemeClr>
+            </a:gs>
+            <a:gs pos="50000">
+              <a:schemeClr val="phClr">
+                <a:satMod val="110000"/>
+                <a:lumMod val="100000"/>
+                <a:shade val="100000"/>
+              </a:schemeClr>
+            </a:gs>
+            <a:gs pos="100000">
+              <a:schemeClr val="phClr">
+                <a:lumMod val="99000"/>
+                <a:satMod val="120000"/>
+                <a:shade val="78000"/>
+              </a:schemeClr>
+            </a:gs>
+          </a:gsLst>
+          <a:lin ang="5400000" scaled="0"/>
+        </a:gradFill>
+      </a:fillStyleLst>
+      <a:lnStyleLst>
+        <a:ln w="12700" cap="flat" cmpd="sng" algn="ctr">
+          <a:solidFill>
+            <a:schemeClr val="phClr"/>
+          </a:solidFill>
+          <a:prstDash val="solid"/>
+          <a:miter lim="800000"/>
+        </a:ln>
+        <a:ln w="19050" cap="flat" cmpd="sng" algn="ctr">
+          <a:solidFill>
+            <a:schemeClr val="phClr"/>
+          </a:solidFill>
+          <a:prstDash val="solid"/>
+          <a:miter lim="800000"/>
+        </a:ln>
+        <a:ln w="25400" cap="flat" cmpd="sng" algn="ctr">
+          <a:solidFill>
+            <a:schemeClr val="phClr"/>
+          </a:solidFill>
+          <a:prstDash val="solid"/>
+          <a:miter lim="800000"/>
+        </a:ln>
+      </a:lnStyleLst>
+      <a:effectStyleLst>
+        <a:effectStyle>
+          <a:effectLst/>
+        </a:effectStyle>
+        <a:effectStyle>
+          <a:effectLst/>
+        </a:effectStyle>
+        <a:effectStyle>
+          <a:effectLst>
+            <a:outerShdw blurRad="57150" dist="19050" dir="5400000" algn="ctr" rotWithShape="0">
+              <a:srgbClr val="000000">
+                <a:alpha val="63000"/>
+              </a:srgbClr>
+            </a:outerShdw>
+          </a:effectLst>
+        </a:effectStyle>
+      </a:effectStyleLst>
+      <a:bgFillStyleLst>
+        <a:solidFill>
+          <a:schemeClr val="phClr"/>
+        </a:solidFill>
+        <a:solidFill>
+          <a:schemeClr val="phClr">
+            <a:tint val="95000"/>
+            <a:satMod val="170000"/>
+          </a:schemeClr>
+        </a:solidFill>
+        <a:gradFill rotWithShape="1">
+          <a:gsLst>
+            <a:gs pos="0">
+              <a:schemeClr val="phClr">
+                <a:tint val="93000"/>
+                <a:satMod val="150000"/>
+                <a:shade val="98000"/>
+                <a:lumMod val="102000"/>
+              </a:schemeClr>
+            </a:gs>
+            <a:gs pos="50000">
+              <a:schemeClr val="phClr">
+                <a:tint val="98000"/>
+                <a:satMod val="130000"/>
+                <a:shade val="90000"/>
+                <a:lumMod val="103000"/>
+              </a:schemeClr>
+            </a:gs>
+            <a:gs pos="100000">
+              <a:schemeClr val="phClr">
+                <a:shade val="63000"/>
+                <a:satMod val="120000"/>
+              </a:schemeClr>
+            </a:gs>
+          </a:gsLst>
+          <a:lin ang="5400000" scaled="0"/>
+        </a:gradFill>
+      </a:bgFillStyleLst>
+    </a:fmtScheme>
+  </a:themeElements>
+  <a:objectDefaults>
+    <a:lnDef>
+      <a:spPr/>
+      <a:bodyPr/>
+      <a:lstStyle/>
+      <a:style>
+        <a:lnRef idx="2">
+          <a:schemeClr val="accent1"/>
+        </a:lnRef>
+        <a:fillRef idx="0">
+          <a:schemeClr val="accent1"/>
+        </a:fillRef>
+        <a:effectRef idx="1">
+          <a:schemeClr val="accent1"/>
+        </a:effectRef>
+        <a:fontRef idx="minor">
+          <a:schemeClr val="tx1"/>
+        </a:fontRef>
+      </a:style>
+    </a:lnDef>
+  </a:objectDefaults>
+  <a:extraClrSchemeLst/>
+  <a:extLst>
+    <a:ext uri="{05A4C25C-085E-4340-85A3-A5531E510DB2}">
+      <thm15:themeFamily xmlns:thm15="http://schemas.microsoft.com/office/thememl/2012/main" name="Office Theme" id="{2E142A2C-CD16-42D6-873A-C26D2A0506FA}" vid="{1BDDFF52-6CD6-40A5-AB3C-68EB2F1E4D0A}"/>
+    </a:ext>
+  </a:extLst>
+</a:theme>
 </file>